--- a/Task 5/APP_Presentation.pptx
+++ b/Task 5/APP_Presentation.pptx
@@ -12,8 +12,12 @@
     <p:sldId id="260" r:id="rId11"/>
     <p:sldId id="261" r:id="rId12"/>
     <p:sldId id="262" r:id="rId13"/>
+    <p:sldId id="263" r:id="rId14"/>
+    <p:sldId id="264" r:id="rId15"/>
+    <p:sldId id="265" r:id="rId16"/>
+    <p:sldId id="266" r:id="rId17"/>
   </p:sldIdLst>
-  <p:sldSz cx="9144000" cy="6858000" type="screen4x3"/>
+  <p:sldSz cx="9144000" cy="5486400" type="screen4x3"/>
   <p:notesSz cx="6858000" cy="9144000"/>
   <p:defaultTextStyle>
     <a:defPPr>
@@ -3096,19 +3100,76 @@
       <p:grpSpPr/>
       <p:sp>
         <p:nvSpPr>
-          <p:cNvPr id="2" name="Title 1"/>
-          <p:cNvSpPr>
-            <a:spLocks noGrp="1"/>
-          </p:cNvSpPr>
-          <p:nvPr>
-            <p:ph type="ctrTitle"/>
-          </p:nvPr>
-        </p:nvSpPr>
-        <p:spPr/>
-        <p:txBody>
-          <a:bodyPr/>
-          <a:lstStyle/>
-          <a:p>
+          <p:cNvPr id="2" name="Rectangle 1"/>
+          <p:cNvSpPr/>
+          <p:nvPr/>
+        </p:nvSpPr>
+        <p:spPr>
+          <a:xfrm>
+            <a:off x="0" y="0"/>
+            <a:ext cx="9144000" cy="5486400"/>
+          </a:xfrm>
+          <a:prstGeom prst="rect">
+            <a:avLst/>
+          </a:prstGeom>
+          <a:solidFill>
+            <a:srgbClr val="1261A0"/>
+          </a:solidFill>
+          <a:ln>
+            <a:noFill/>
+          </a:ln>
+        </p:spPr>
+        <p:style>
+          <a:lnRef idx="1">
+            <a:schemeClr val="accent1"/>
+          </a:lnRef>
+          <a:fillRef idx="3">
+            <a:schemeClr val="accent1"/>
+          </a:fillRef>
+          <a:effectRef idx="2">
+            <a:schemeClr val="accent1"/>
+          </a:effectRef>
+          <a:fontRef idx="minor">
+            <a:schemeClr val="lt1"/>
+          </a:fontRef>
+        </p:style>
+        <p:txBody>
+          <a:bodyPr rtlCol="0" anchor="ctr"/>
+          <a:lstStyle/>
+          <a:p>
+            <a:pPr algn="ctr"/>
+          </a:p>
+        </p:txBody>
+      </p:sp>
+      <p:sp>
+        <p:nvSpPr>
+          <p:cNvPr id="3" name="TextBox 2"/>
+          <p:cNvSpPr txBox="1"/>
+          <p:nvPr/>
+        </p:nvSpPr>
+        <p:spPr>
+          <a:xfrm>
+            <a:off x="548640" y="1097280"/>
+            <a:ext cx="8046720" cy="1371600"/>
+          </a:xfrm>
+          <a:prstGeom prst="rect">
+            <a:avLst/>
+          </a:prstGeom>
+          <a:noFill/>
+        </p:spPr>
+        <p:txBody>
+          <a:bodyPr wrap="none">
+            <a:spAutoFit/>
+          </a:bodyPr>
+          <a:lstStyle/>
+          <a:p>
+            <a:pPr>
+              <a:defRPr sz="4000" b="1">
+                <a:solidFill>
+                  <a:srgbClr val="FFFFFF"/>
+                </a:solidFill>
+              </a:defRPr>
+            </a:pPr>
             <a:r>
               <a:t># Car Service Booking — Presentation</a:t>
             </a:r>
@@ -3117,21 +3178,475 @@
       </p:sp>
       <p:sp>
         <p:nvSpPr>
-          <p:cNvPr id="3" name="Subtitle 2"/>
-          <p:cNvSpPr>
-            <a:spLocks noGrp="1"/>
-          </p:cNvSpPr>
-          <p:nvPr>
-            <p:ph type="subTitle" idx="1"/>
-          </p:nvPr>
-        </p:nvSpPr>
-        <p:spPr/>
-        <p:txBody>
-          <a:bodyPr/>
-          <a:lstStyle/>
-          <a:p>
+          <p:cNvPr id="4" name="TextBox 3"/>
+          <p:cNvSpPr txBox="1"/>
+          <p:nvPr/>
+        </p:nvSpPr>
+        <p:spPr>
+          <a:xfrm>
+            <a:off x="548640" y="2011680"/>
+            <a:ext cx="8046720" cy="731520"/>
+          </a:xfrm>
+          <a:prstGeom prst="rect">
+            <a:avLst/>
+          </a:prstGeom>
+          <a:noFill/>
+        </p:spPr>
+        <p:txBody>
+          <a:bodyPr wrap="none">
+            <a:spAutoFit/>
+          </a:bodyPr>
+          <a:lstStyle/>
+          <a:p>
+            <a:pPr>
+              <a:defRPr sz="1800">
+                <a:solidFill>
+                  <a:srgbClr val="E6E6E6"/>
+                </a:solidFill>
+              </a:defRPr>
+            </a:pPr>
             <a:r>
               <a:t>Presentation</a:t>
+            </a:r>
+          </a:p>
+        </p:txBody>
+      </p:sp>
+    </p:spTree>
+  </p:cSld>
+  <p:clrMapOvr>
+    <a:masterClrMapping/>
+  </p:clrMapOvr>
+</p:sld>
+</file>
+
+<file path=ppt/slides/slide10.xml><?xml version="1.0" encoding="utf-8"?>
+<p:sld xmlns:a="http://schemas.openxmlformats.org/drawingml/2006/main" xmlns:p="http://schemas.openxmlformats.org/presentationml/2006/main" xmlns:r="http://schemas.openxmlformats.org/officeDocument/2006/relationships">
+  <p:cSld>
+    <p:bg>
+      <p:bgPr>
+        <a:solidFill>
+          <a:srgbClr val="FAFAFA"/>
+        </a:solidFill>
+        <a:effectLst/>
+      </p:bgPr>
+    </p:bg>
+    <p:spTree>
+      <p:nvGrpSpPr>
+        <p:cNvPr id="1" name=""/>
+        <p:cNvGrpSpPr/>
+        <p:nvPr/>
+      </p:nvGrpSpPr>
+      <p:grpSpPr/>
+      <p:sp>
+        <p:nvSpPr>
+          <p:cNvPr id="2" name="TextBox 1"/>
+          <p:cNvSpPr txBox="1"/>
+          <p:nvPr/>
+        </p:nvSpPr>
+        <p:spPr>
+          <a:xfrm>
+            <a:off x="548640" y="274320"/>
+            <a:ext cx="8046720" cy="731520"/>
+          </a:xfrm>
+          <a:prstGeom prst="rect">
+            <a:avLst/>
+          </a:prstGeom>
+          <a:noFill/>
+        </p:spPr>
+        <p:txBody>
+          <a:bodyPr wrap="none">
+            <a:spAutoFit/>
+          </a:bodyPr>
+          <a:lstStyle/>
+          <a:p>
+            <a:pPr>
+              <a:defRPr sz="2800" b="1">
+                <a:solidFill>
+                  <a:srgbClr val="1261A0"/>
+                </a:solidFill>
+              </a:defRPr>
+            </a:pPr>
+            <a:r>
+              <a:t>8. Organization, Finance &amp; Roadmap</a:t>
+            </a:r>
+          </a:p>
+        </p:txBody>
+      </p:sp>
+      <p:sp>
+        <p:nvSpPr>
+          <p:cNvPr id="3" name="TextBox 2"/>
+          <p:cNvSpPr txBox="1"/>
+          <p:nvPr/>
+        </p:nvSpPr>
+        <p:spPr>
+          <a:xfrm>
+            <a:off x="548640" y="1188720"/>
+            <a:ext cx="5303520" cy="3840480"/>
+          </a:xfrm>
+          <a:prstGeom prst="rect">
+            <a:avLst/>
+          </a:prstGeom>
+          <a:noFill/>
+        </p:spPr>
+        <p:txBody>
+          <a:bodyPr wrap="none">
+            <a:spAutoFit/>
+          </a:bodyPr>
+          <a:lstStyle/>
+          <a:p>
+            <a:pPr>
+              <a:defRPr sz="1100">
+                <a:solidFill>
+                  <a:srgbClr val="282828"/>
+                </a:solidFill>
+              </a:defRPr>
+            </a:pPr>
+          </a:p>
+          <a:p>
+            <a:pPr>
+              <a:defRPr b="1" sz="1100">
+                <a:solidFill>
+                  <a:srgbClr val="282828"/>
+                </a:solidFill>
+              </a:defRPr>
+            </a:pPr>
+            <a:r>
+              <a:t>Organization structure</a:t>
+            </a:r>
+          </a:p>
+          <a:p>
+            <a:pPr>
+              <a:defRPr sz="1100">
+                <a:solidFill>
+                  <a:srgbClr val="282828"/>
+                </a:solidFill>
+              </a:defRPr>
+            </a:pPr>
+            <a:r>
+              <a:t>Small start: Product Owner / Developer, 1–2 Developers, Support/Customer Success, Marketing &amp; Sales.</a:t>
+            </a:r>
+          </a:p>
+          <a:p>
+            <a:pPr>
+              <a:defRPr b="1" sz="1100">
+                <a:solidFill>
+                  <a:srgbClr val="282828"/>
+                </a:solidFill>
+              </a:defRPr>
+            </a:pPr>
+            <a:r>
+              <a:t>Financial plan (high-level)</a:t>
+            </a:r>
+          </a:p>
+          <a:p>
+            <a:pPr>
+              <a:defRPr sz="1100">
+                <a:solidFill>
+                  <a:srgbClr val="282828"/>
+                </a:solidFill>
+              </a:defRPr>
+            </a:pPr>
+            <a:r>
+              <a:t>**Revenue:** Pro subscription (monthly/yearly), setup fees, paid integrations.</a:t>
+            </a:r>
+          </a:p>
+          <a:p>
+            <a:pPr>
+              <a:defRPr sz="1100">
+                <a:solidFill>
+                  <a:srgbClr val="282828"/>
+                </a:solidFill>
+              </a:defRPr>
+            </a:pPr>
+            <a:r>
+              <a:t>**Costs:** development, hosting, marketing, support.</a:t>
+            </a:r>
+          </a:p>
+          <a:p>
+            <a:pPr>
+              <a:defRPr sz="1100">
+                <a:solidFill>
+                  <a:srgbClr val="282828"/>
+                </a:solidFill>
+              </a:defRPr>
+            </a:pPr>
+            <a:r>
+              <a:t>Simple projection: breakeven at ~200 Pro users (depends on pricing).</a:t>
+            </a:r>
+          </a:p>
+          <a:p>
+            <a:pPr>
+              <a:defRPr b="1" sz="1100">
+                <a:solidFill>
+                  <a:srgbClr val="282828"/>
+                </a:solidFill>
+              </a:defRPr>
+            </a:pPr>
+            <a:r>
+              <a:t>Business development roadmap</a:t>
+            </a:r>
+          </a:p>
+          <a:p>
+            <a:pPr>
+              <a:defRPr sz="1100">
+                <a:solidFill>
+                  <a:srgbClr val="282828"/>
+                </a:solidFill>
+              </a:defRPr>
+            </a:pPr>
+            <a:r>
+              <a:t>Q1: MVP &amp; local pilots</a:t>
+            </a:r>
+          </a:p>
+          <a:p>
+            <a:pPr>
+              <a:defRPr sz="1100">
+                <a:solidFill>
+                  <a:srgbClr val="282828"/>
+                </a:solidFill>
+              </a:defRPr>
+            </a:pPr>
+            <a:r>
+              <a:t>Q2: Pro features (DB, auth), integration testing</a:t>
+            </a:r>
+          </a:p>
+          <a:p>
+            <a:pPr>
+              <a:defRPr sz="1100">
+                <a:solidFill>
+                  <a:srgbClr val="282828"/>
+                </a:solidFill>
+              </a:defRPr>
+            </a:pPr>
+            <a:r>
+              <a:t>Q3: Launch paid subscription, marketing</a:t>
+            </a:r>
+          </a:p>
+          <a:p>
+            <a:pPr>
+              <a:defRPr sz="1100">
+                <a:solidFill>
+                  <a:srgbClr val="282828"/>
+                </a:solidFill>
+              </a:defRPr>
+            </a:pPr>
+            <a:r>
+              <a:t>Q4: Scale, partnerships, and B2B sales</a:t>
+            </a:r>
+          </a:p>
+          <a:p>
+            <a:pPr>
+              <a:defRPr sz="1100">
+                <a:solidFill>
+                  <a:srgbClr val="282828"/>
+                </a:solidFill>
+              </a:defRPr>
+            </a:pPr>
+            <a:r>
+              <a:t>---</a:t>
+            </a:r>
+          </a:p>
+        </p:txBody>
+      </p:sp>
+      <p:sp>
+        <p:nvSpPr>
+          <p:cNvPr id="4" name="TextBox 3"/>
+          <p:cNvSpPr txBox="1"/>
+          <p:nvPr/>
+        </p:nvSpPr>
+        <p:spPr>
+          <a:xfrm>
+            <a:off x="548640" y="5120640"/>
+            <a:ext cx="8046720" cy="274320"/>
+          </a:xfrm>
+          <a:prstGeom prst="rect">
+            <a:avLst/>
+          </a:prstGeom>
+          <a:noFill/>
+        </p:spPr>
+        <p:txBody>
+          <a:bodyPr wrap="none">
+            <a:spAutoFit/>
+          </a:bodyPr>
+          <a:lstStyle/>
+          <a:p>
+            <a:pPr>
+              <a:defRPr sz="1000" i="1"/>
+            </a:pPr>
+            <a:r>
+              <a:t>Car Service Booking — 2026-01-14</a:t>
+            </a:r>
+          </a:p>
+        </p:txBody>
+      </p:sp>
+    </p:spTree>
+  </p:cSld>
+  <p:clrMapOvr>
+    <a:masterClrMapping/>
+  </p:clrMapOvr>
+</p:sld>
+</file>
+
+<file path=ppt/slides/slide11.xml><?xml version="1.0" encoding="utf-8"?>
+<p:sld xmlns:a="http://schemas.openxmlformats.org/drawingml/2006/main" xmlns:p="http://schemas.openxmlformats.org/presentationml/2006/main" xmlns:r="http://schemas.openxmlformats.org/officeDocument/2006/relationships">
+  <p:cSld>
+    <p:bg>
+      <p:bgPr>
+        <a:solidFill>
+          <a:srgbClr val="FAFAFA"/>
+        </a:solidFill>
+        <a:effectLst/>
+      </p:bgPr>
+    </p:bg>
+    <p:spTree>
+      <p:nvGrpSpPr>
+        <p:cNvPr id="1" name=""/>
+        <p:cNvGrpSpPr/>
+        <p:nvPr/>
+      </p:nvGrpSpPr>
+      <p:grpSpPr/>
+      <p:sp>
+        <p:nvSpPr>
+          <p:cNvPr id="2" name="TextBox 1"/>
+          <p:cNvSpPr txBox="1"/>
+          <p:nvPr/>
+        </p:nvSpPr>
+        <p:spPr>
+          <a:xfrm>
+            <a:off x="548640" y="274320"/>
+            <a:ext cx="8046720" cy="731520"/>
+          </a:xfrm>
+          <a:prstGeom prst="rect">
+            <a:avLst/>
+          </a:prstGeom>
+          <a:noFill/>
+        </p:spPr>
+        <p:txBody>
+          <a:bodyPr wrap="none">
+            <a:spAutoFit/>
+          </a:bodyPr>
+          <a:lstStyle/>
+          <a:p>
+            <a:pPr>
+              <a:defRPr sz="2800" b="1">
+                <a:solidFill>
+                  <a:srgbClr val="1261A0"/>
+                </a:solidFill>
+              </a:defRPr>
+            </a:pPr>
+            <a:r>
+              <a:t>6. Conclusion 🏁</a:t>
+            </a:r>
+          </a:p>
+        </p:txBody>
+      </p:sp>
+      <p:sp>
+        <p:nvSpPr>
+          <p:cNvPr id="3" name="TextBox 2"/>
+          <p:cNvSpPr txBox="1"/>
+          <p:nvPr/>
+        </p:nvSpPr>
+        <p:spPr>
+          <a:xfrm>
+            <a:off x="548640" y="1188720"/>
+            <a:ext cx="5303520" cy="3840480"/>
+          </a:xfrm>
+          <a:prstGeom prst="rect">
+            <a:avLst/>
+          </a:prstGeom>
+          <a:noFill/>
+        </p:spPr>
+        <p:txBody>
+          <a:bodyPr wrap="none">
+            <a:spAutoFit/>
+          </a:bodyPr>
+          <a:lstStyle/>
+          <a:p>
+            <a:pPr>
+              <a:defRPr sz="1300">
+                <a:solidFill>
+                  <a:srgbClr val="282828"/>
+                </a:solidFill>
+              </a:defRPr>
+            </a:pPr>
+          </a:p>
+          <a:p>
+            <a:pPr>
+              <a:defRPr sz="1300">
+                <a:solidFill>
+                  <a:srgbClr val="282828"/>
+                </a:solidFill>
+              </a:defRPr>
+            </a:pPr>
+            <a:r>
+              <a:t>Підсумок: Додаток закриває конкретну болючу точку для малого автосервісу — просте, швидке та дешеве бронювання з базовими інструментами керування.</a:t>
+            </a:r>
+          </a:p>
+          <a:p>
+            <a:pPr>
+              <a:defRPr sz="1300">
+                <a:solidFill>
+                  <a:srgbClr val="282828"/>
+                </a:solidFill>
+              </a:defRPr>
+            </a:pPr>
+            <a:r>
+              <a:t>Наступні кроки: провести пілот у 2–3 сервісах, зібрати відгуки, додати DB та можливість синхронізації календаря як пріоритетні фічі.</a:t>
+            </a:r>
+          </a:p>
+          <a:p>
+            <a:pPr>
+              <a:defRPr sz="1300">
+                <a:solidFill>
+                  <a:srgbClr val="282828"/>
+                </a:solidFill>
+              </a:defRPr>
+            </a:pPr>
+            <a:r>
+              <a:t>---</a:t>
+            </a:r>
+          </a:p>
+          <a:p>
+            <a:pPr>
+              <a:defRPr sz="1300">
+                <a:solidFill>
+                  <a:srgbClr val="282828"/>
+                </a:solidFill>
+              </a:defRPr>
+            </a:pPr>
+            <a:r>
+              <a:t>*This file was generated automatically in the repository under `Task 5` as `APP_Presentation.md`.*</a:t>
+            </a:r>
+          </a:p>
+        </p:txBody>
+      </p:sp>
+      <p:sp>
+        <p:nvSpPr>
+          <p:cNvPr id="4" name="TextBox 3"/>
+          <p:cNvSpPr txBox="1"/>
+          <p:nvPr/>
+        </p:nvSpPr>
+        <p:spPr>
+          <a:xfrm>
+            <a:off x="548640" y="5120640"/>
+            <a:ext cx="8046720" cy="274320"/>
+          </a:xfrm>
+          <a:prstGeom prst="rect">
+            <a:avLst/>
+          </a:prstGeom>
+          <a:noFill/>
+        </p:spPr>
+        <p:txBody>
+          <a:bodyPr wrap="none">
+            <a:spAutoFit/>
+          </a:bodyPr>
+          <a:lstStyle/>
+          <a:p>
+            <a:pPr>
+              <a:defRPr sz="1000" i="1"/>
+            </a:pPr>
+            <a:r>
+              <a:t>Car Service Booking — 2026-01-14</a:t>
             </a:r>
           </a:p>
         </p:txBody>
@@ -3147,6 +3662,14 @@
 <file path=ppt/slides/slide2.xml><?xml version="1.0" encoding="utf-8"?>
 <p:sld xmlns:a="http://schemas.openxmlformats.org/drawingml/2006/main" xmlns:p="http://schemas.openxmlformats.org/presentationml/2006/main" xmlns:r="http://schemas.openxmlformats.org/officeDocument/2006/relationships">
   <p:cSld>
+    <p:bg>
+      <p:bgPr>
+        <a:solidFill>
+          <a:srgbClr val="FAFAFA"/>
+        </a:solidFill>
+        <a:effectLst/>
+      </p:bgPr>
+    </p:bg>
     <p:spTree>
       <p:nvGrpSpPr>
         <p:cNvPr id="1" name=""/>
@@ -3156,19 +3679,33 @@
       <p:grpSpPr/>
       <p:sp>
         <p:nvSpPr>
-          <p:cNvPr id="2" name="Title 1"/>
-          <p:cNvSpPr>
-            <a:spLocks noGrp="1"/>
-          </p:cNvSpPr>
-          <p:nvPr>
-            <p:ph type="title"/>
-          </p:nvPr>
-        </p:nvSpPr>
-        <p:spPr/>
-        <p:txBody>
-          <a:bodyPr/>
-          <a:lstStyle/>
-          <a:p>
+          <p:cNvPr id="2" name="TextBox 1"/>
+          <p:cNvSpPr txBox="1"/>
+          <p:nvPr/>
+        </p:nvSpPr>
+        <p:spPr>
+          <a:xfrm>
+            <a:off x="548640" y="274320"/>
+            <a:ext cx="8046720" cy="731520"/>
+          </a:xfrm>
+          <a:prstGeom prst="rect">
+            <a:avLst/>
+          </a:prstGeom>
+          <a:noFill/>
+        </p:spPr>
+        <p:txBody>
+          <a:bodyPr wrap="none">
+            <a:spAutoFit/>
+          </a:bodyPr>
+          <a:lstStyle/>
+          <a:p>
+            <a:pPr>
+              <a:defRPr sz="2800" b="1">
+                <a:solidFill>
+                  <a:srgbClr val="1261A0"/>
+                </a:solidFill>
+              </a:defRPr>
+            </a:pPr>
             <a:r>
               <a:t>1. Executive Summary ✅</a:t>
             </a:r>
@@ -3177,35 +3714,99 @@
       </p:sp>
       <p:sp>
         <p:nvSpPr>
-          <p:cNvPr id="3" name="Content Placeholder 2"/>
-          <p:cNvSpPr>
-            <a:spLocks noGrp="1"/>
-          </p:cNvSpPr>
-          <p:nvPr>
-            <p:ph idx="1"/>
-          </p:nvPr>
-        </p:nvSpPr>
-        <p:spPr/>
-        <p:txBody>
-          <a:bodyPr/>
-          <a:lstStyle/>
-          <a:p/>
-          <a:p>
-            <a:pPr/>
+          <p:cNvPr id="3" name="TextBox 2"/>
+          <p:cNvSpPr txBox="1"/>
+          <p:nvPr/>
+        </p:nvSpPr>
+        <p:spPr>
+          <a:xfrm>
+            <a:off x="548640" y="1188720"/>
+            <a:ext cx="5303520" cy="3840480"/>
+          </a:xfrm>
+          <a:prstGeom prst="rect">
+            <a:avLst/>
+          </a:prstGeom>
+          <a:noFill/>
+        </p:spPr>
+        <p:txBody>
+          <a:bodyPr wrap="none">
+            <a:spAutoFit/>
+          </a:bodyPr>
+          <a:lstStyle/>
+          <a:p>
+            <a:pPr>
+              <a:defRPr sz="1600">
+                <a:solidFill>
+                  <a:srgbClr val="282828"/>
+                </a:solidFill>
+              </a:defRPr>
+            </a:pPr>
+          </a:p>
+          <a:p>
+            <a:pPr>
+              <a:defRPr sz="1600">
+                <a:solidFill>
+                  <a:srgbClr val="282828"/>
+                </a:solidFill>
+              </a:defRPr>
+            </a:pPr>
             <a:r>
               <a:t>Briefly: A Streamlit app for booking car service appointments — quick booking, conflict checking, editing, and CSV export.</a:t>
             </a:r>
           </a:p>
           <a:p>
-            <a:pPr/>
+            <a:pPr>
+              <a:defRPr sz="1600">
+                <a:solidFill>
+                  <a:srgbClr val="282828"/>
+                </a:solidFill>
+              </a:defRPr>
+            </a:pPr>
             <a:r>
               <a:t>Goal: Reduce manual work, avoid overlapping bookings, and improve customer satisfaction.</a:t>
             </a:r>
           </a:p>
           <a:p>
-            <a:pPr/>
+            <a:pPr>
+              <a:defRPr sz="1600">
+                <a:solidFill>
+                  <a:srgbClr val="282828"/>
+                </a:solidFill>
+              </a:defRPr>
+            </a:pPr>
             <a:r>
               <a:t>---</a:t>
+            </a:r>
+          </a:p>
+        </p:txBody>
+      </p:sp>
+      <p:sp>
+        <p:nvSpPr>
+          <p:cNvPr id="4" name="TextBox 3"/>
+          <p:cNvSpPr txBox="1"/>
+          <p:nvPr/>
+        </p:nvSpPr>
+        <p:spPr>
+          <a:xfrm>
+            <a:off x="548640" y="5120640"/>
+            <a:ext cx="8046720" cy="274320"/>
+          </a:xfrm>
+          <a:prstGeom prst="rect">
+            <a:avLst/>
+          </a:prstGeom>
+          <a:noFill/>
+        </p:spPr>
+        <p:txBody>
+          <a:bodyPr wrap="none">
+            <a:spAutoFit/>
+          </a:bodyPr>
+          <a:lstStyle/>
+          <a:p>
+            <a:pPr>
+              <a:defRPr sz="1000" i="1"/>
+            </a:pPr>
+            <a:r>
+              <a:t>Car Service Booking — 2026-01-14</a:t>
             </a:r>
           </a:p>
         </p:txBody>
@@ -3221,6 +3822,14 @@
 <file path=ppt/slides/slide3.xml><?xml version="1.0" encoding="utf-8"?>
 <p:sld xmlns:a="http://schemas.openxmlformats.org/drawingml/2006/main" xmlns:p="http://schemas.openxmlformats.org/presentationml/2006/main" xmlns:r="http://schemas.openxmlformats.org/officeDocument/2006/relationships">
   <p:cSld>
+    <p:bg>
+      <p:bgPr>
+        <a:solidFill>
+          <a:srgbClr val="FAFAFA"/>
+        </a:solidFill>
+        <a:effectLst/>
+      </p:bgPr>
+    </p:bg>
     <p:spTree>
       <p:nvGrpSpPr>
         <p:cNvPr id="1" name=""/>
@@ -3230,19 +3839,33 @@
       <p:grpSpPr/>
       <p:sp>
         <p:nvSpPr>
-          <p:cNvPr id="2" name="Title 1"/>
-          <p:cNvSpPr>
-            <a:spLocks noGrp="1"/>
-          </p:cNvSpPr>
-          <p:nvPr>
-            <p:ph type="title"/>
-          </p:nvPr>
-        </p:nvSpPr>
-        <p:spPr/>
-        <p:txBody>
-          <a:bodyPr/>
-          <a:lstStyle/>
-          <a:p>
+          <p:cNvPr id="2" name="TextBox 1"/>
+          <p:cNvSpPr txBox="1"/>
+          <p:nvPr/>
+        </p:nvSpPr>
+        <p:spPr>
+          <a:xfrm>
+            <a:off x="548640" y="274320"/>
+            <a:ext cx="8046720" cy="731520"/>
+          </a:xfrm>
+          <a:prstGeom prst="rect">
+            <a:avLst/>
+          </a:prstGeom>
+          <a:noFill/>
+        </p:spPr>
+        <p:txBody>
+          <a:bodyPr wrap="none">
+            <a:spAutoFit/>
+          </a:bodyPr>
+          <a:lstStyle/>
+          <a:p>
+            <a:pPr>
+              <a:defRPr sz="2800" b="1">
+                <a:solidFill>
+                  <a:srgbClr val="1261A0"/>
+                </a:solidFill>
+              </a:defRPr>
+            </a:pPr>
             <a:r>
               <a:t>2. Introduction: Problem Analysis 🔎</a:t>
             </a:r>
@@ -3251,71 +3874,159 @@
       </p:sp>
       <p:sp>
         <p:nvSpPr>
-          <p:cNvPr id="3" name="Content Placeholder 2"/>
-          <p:cNvSpPr>
-            <a:spLocks noGrp="1"/>
-          </p:cNvSpPr>
-          <p:nvPr>
-            <p:ph idx="1"/>
-          </p:nvPr>
-        </p:nvSpPr>
-        <p:spPr/>
-        <p:txBody>
-          <a:bodyPr/>
-          <a:lstStyle/>
-          <a:p/>
-          <a:p>
-            <a:pPr>
-              <a:defRPr b="1"/>
+          <p:cNvPr id="3" name="TextBox 2"/>
+          <p:cNvSpPr txBox="1"/>
+          <p:nvPr/>
+        </p:nvSpPr>
+        <p:spPr>
+          <a:xfrm>
+            <a:off x="548640" y="1188720"/>
+            <a:ext cx="5303520" cy="3840480"/>
+          </a:xfrm>
+          <a:prstGeom prst="rect">
+            <a:avLst/>
+          </a:prstGeom>
+          <a:noFill/>
+        </p:spPr>
+        <p:txBody>
+          <a:bodyPr wrap="none">
+            <a:spAutoFit/>
+          </a:bodyPr>
+          <a:lstStyle/>
+          <a:p>
+            <a:pPr>
+              <a:defRPr sz="1100">
+                <a:solidFill>
+                  <a:srgbClr val="282828"/>
+                </a:solidFill>
+              </a:defRPr>
+            </a:pPr>
+          </a:p>
+          <a:p>
+            <a:pPr>
+              <a:defRPr b="1" sz="1100">
+                <a:solidFill>
+                  <a:srgbClr val="282828"/>
+                </a:solidFill>
+              </a:defRPr>
             </a:pPr>
             <a:r>
               <a:t>What problem are we solving?</a:t>
             </a:r>
           </a:p>
           <a:p>
-            <a:pPr/>
+            <a:pPr>
+              <a:defRPr sz="1100">
+                <a:solidFill>
+                  <a:srgbClr val="282828"/>
+                </a:solidFill>
+              </a:defRPr>
+            </a:pPr>
             <a:r>
               <a:t>Lack of a centralized, easy-to-use booking tool for small car service shops: duplicate bookings, manual calls, and missed customers.</a:t>
             </a:r>
           </a:p>
           <a:p>
             <a:pPr>
-              <a:defRPr b="1"/>
+              <a:defRPr b="1" sz="1100">
+                <a:solidFill>
+                  <a:srgbClr val="282828"/>
+                </a:solidFill>
+              </a:defRPr>
             </a:pPr>
             <a:r>
               <a:t>Why is this a problem?</a:t>
             </a:r>
           </a:p>
           <a:p>
-            <a:pPr/>
+            <a:pPr>
+              <a:defRPr sz="1100">
+                <a:solidFill>
+                  <a:srgbClr val="282828"/>
+                </a:solidFill>
+              </a:defRPr>
+            </a:pPr>
             <a:r>
               <a:t>Lost orders and time, dissatisfied customers, and opaque scheduling of staff and equipment.</a:t>
             </a:r>
           </a:p>
           <a:p>
             <a:pPr>
-              <a:defRPr b="1"/>
+              <a:defRPr b="1" sz="1100">
+                <a:solidFill>
+                  <a:srgbClr val="282828"/>
+                </a:solidFill>
+              </a:defRPr>
             </a:pPr>
             <a:r>
               <a:t>a. Mission &amp; Vision</a:t>
             </a:r>
           </a:p>
           <a:p>
-            <a:pPr/>
+            <a:pPr>
+              <a:defRPr sz="1100">
+                <a:solidFill>
+                  <a:srgbClr val="282828"/>
+                </a:solidFill>
+              </a:defRPr>
+            </a:pPr>
             <a:r>
               <a:t>**Mission:** Provide a simple, accessible tool for managing car service bookings.</a:t>
             </a:r>
           </a:p>
           <a:p>
-            <a:pPr/>
+            <a:pPr>
+              <a:defRPr sz="1100">
+                <a:solidFill>
+                  <a:srgbClr val="282828"/>
+                </a:solidFill>
+              </a:defRPr>
+            </a:pPr>
             <a:r>
               <a:t>**Vision:** Become the go-to solution for small and medium service shops, scalable with their growth.</a:t>
             </a:r>
           </a:p>
           <a:p>
-            <a:pPr/>
+            <a:pPr>
+              <a:defRPr sz="1100">
+                <a:solidFill>
+                  <a:srgbClr val="282828"/>
+                </a:solidFill>
+              </a:defRPr>
+            </a:pPr>
             <a:r>
               <a:t>---</a:t>
+            </a:r>
+          </a:p>
+        </p:txBody>
+      </p:sp>
+      <p:sp>
+        <p:nvSpPr>
+          <p:cNvPr id="4" name="TextBox 3"/>
+          <p:cNvSpPr txBox="1"/>
+          <p:nvPr/>
+        </p:nvSpPr>
+        <p:spPr>
+          <a:xfrm>
+            <a:off x="548640" y="5120640"/>
+            <a:ext cx="8046720" cy="274320"/>
+          </a:xfrm>
+          <a:prstGeom prst="rect">
+            <a:avLst/>
+          </a:prstGeom>
+          <a:noFill/>
+        </p:spPr>
+        <p:txBody>
+          <a:bodyPr wrap="none">
+            <a:spAutoFit/>
+          </a:bodyPr>
+          <a:lstStyle/>
+          <a:p>
+            <a:pPr>
+              <a:defRPr sz="1000" i="1"/>
+            </a:pPr>
+            <a:r>
+              <a:t>Car Service Booking — 2026-01-14</a:t>
             </a:r>
           </a:p>
         </p:txBody>
@@ -3331,6 +4042,14 @@
 <file path=ppt/slides/slide4.xml><?xml version="1.0" encoding="utf-8"?>
 <p:sld xmlns:a="http://schemas.openxmlformats.org/drawingml/2006/main" xmlns:p="http://schemas.openxmlformats.org/presentationml/2006/main" xmlns:r="http://schemas.openxmlformats.org/officeDocument/2006/relationships">
   <p:cSld>
+    <p:bg>
+      <p:bgPr>
+        <a:solidFill>
+          <a:srgbClr val="FAFAFA"/>
+        </a:solidFill>
+        <a:effectLst/>
+      </p:bgPr>
+    </p:bg>
     <p:spTree>
       <p:nvGrpSpPr>
         <p:cNvPr id="1" name=""/>
@@ -3340,19 +4059,33 @@
       <p:grpSpPr/>
       <p:sp>
         <p:nvSpPr>
-          <p:cNvPr id="2" name="Title 1"/>
-          <p:cNvSpPr>
-            <a:spLocks noGrp="1"/>
-          </p:cNvSpPr>
-          <p:nvPr>
-            <p:ph type="title"/>
-          </p:nvPr>
-        </p:nvSpPr>
-        <p:spPr/>
-        <p:txBody>
-          <a:bodyPr/>
-          <a:lstStyle/>
-          <a:p>
+          <p:cNvPr id="2" name="TextBox 1"/>
+          <p:cNvSpPr txBox="1"/>
+          <p:nvPr/>
+        </p:nvSpPr>
+        <p:spPr>
+          <a:xfrm>
+            <a:off x="548640" y="274320"/>
+            <a:ext cx="8046720" cy="731520"/>
+          </a:xfrm>
+          <a:prstGeom prst="rect">
+            <a:avLst/>
+          </a:prstGeom>
+          <a:noFill/>
+        </p:spPr>
+        <p:txBody>
+          <a:bodyPr wrap="none">
+            <a:spAutoFit/>
+          </a:bodyPr>
+          <a:lstStyle/>
+          <a:p>
+            <a:pPr>
+              <a:defRPr sz="2800" b="1">
+                <a:solidFill>
+                  <a:srgbClr val="1261A0"/>
+                </a:solidFill>
+              </a:defRPr>
+            </a:pPr>
             <a:r>
               <a:t>3. Solution 🛠️</a:t>
             </a:r>
@@ -3361,35 +4094,99 @@
       </p:sp>
       <p:sp>
         <p:nvSpPr>
-          <p:cNvPr id="3" name="Content Placeholder 2"/>
-          <p:cNvSpPr>
-            <a:spLocks noGrp="1"/>
-          </p:cNvSpPr>
-          <p:nvPr>
-            <p:ph idx="1"/>
-          </p:nvPr>
-        </p:nvSpPr>
-        <p:spPr/>
-        <p:txBody>
-          <a:bodyPr/>
-          <a:lstStyle/>
-          <a:p/>
-          <a:p>
-            <a:pPr/>
-            <a:r>
-              <a:t>Веб-інтерфейс для: створення бронювання (ім'я, контакт, дата, час, тип поломки, нотатки), перевірки конфліктів (з буфером), редагування, видалення, фільтрації, пагінації та експорту CSV.</a:t>
-            </a:r>
-          </a:p>
-          <a:p>
-            <a:pPr/>
-            <a:r>
-              <a:t>Проста локальна інсталяція (Python + Streamlit) з можливістю подальшого перенесення на сервер чи хмару.</a:t>
-            </a:r>
-          </a:p>
-          <a:p>
-            <a:pPr/>
+          <p:cNvPr id="3" name="TextBox 2"/>
+          <p:cNvSpPr txBox="1"/>
+          <p:nvPr/>
+        </p:nvSpPr>
+        <p:spPr>
+          <a:xfrm>
+            <a:off x="548640" y="1188720"/>
+            <a:ext cx="5303520" cy="3840480"/>
+          </a:xfrm>
+          <a:prstGeom prst="rect">
+            <a:avLst/>
+          </a:prstGeom>
+          <a:noFill/>
+        </p:spPr>
+        <p:txBody>
+          <a:bodyPr wrap="none">
+            <a:spAutoFit/>
+          </a:bodyPr>
+          <a:lstStyle/>
+          <a:p>
+            <a:pPr>
+              <a:defRPr sz="1600">
+                <a:solidFill>
+                  <a:srgbClr val="282828"/>
+                </a:solidFill>
+              </a:defRPr>
+            </a:pPr>
+          </a:p>
+          <a:p>
+            <a:pPr>
+              <a:defRPr sz="1600">
+                <a:solidFill>
+                  <a:srgbClr val="282828"/>
+                </a:solidFill>
+              </a:defRPr>
+            </a:pPr>
+            <a:r>
+              <a:t>Web interface for creating bookings (name, contact, date, time, issue type, notes), conflict checking (with optional buffer), editing, deleting, filtering, pagination, and CSV export.</a:t>
+            </a:r>
+          </a:p>
+          <a:p>
+            <a:pPr>
+              <a:defRPr sz="1600">
+                <a:solidFill>
+                  <a:srgbClr val="282828"/>
+                </a:solidFill>
+              </a:defRPr>
+            </a:pPr>
+            <a:r>
+              <a:t>Simple local installation (Python + Streamlit) with an easy migration path to a server or cloud deployment.</a:t>
+            </a:r>
+          </a:p>
+          <a:p>
+            <a:pPr>
+              <a:defRPr sz="1600">
+                <a:solidFill>
+                  <a:srgbClr val="282828"/>
+                </a:solidFill>
+              </a:defRPr>
+            </a:pPr>
             <a:r>
               <a:t>---</a:t>
+            </a:r>
+          </a:p>
+        </p:txBody>
+      </p:sp>
+      <p:sp>
+        <p:nvSpPr>
+          <p:cNvPr id="4" name="TextBox 3"/>
+          <p:cNvSpPr txBox="1"/>
+          <p:nvPr/>
+        </p:nvSpPr>
+        <p:spPr>
+          <a:xfrm>
+            <a:off x="548640" y="5120640"/>
+            <a:ext cx="8046720" cy="274320"/>
+          </a:xfrm>
+          <a:prstGeom prst="rect">
+            <a:avLst/>
+          </a:prstGeom>
+          <a:noFill/>
+        </p:spPr>
+        <p:txBody>
+          <a:bodyPr wrap="none">
+            <a:spAutoFit/>
+          </a:bodyPr>
+          <a:lstStyle/>
+          <a:p>
+            <a:pPr>
+              <a:defRPr sz="1000" i="1"/>
+            </a:pPr>
+            <a:r>
+              <a:t>Car Service Booking — 2026-01-14</a:t>
             </a:r>
           </a:p>
         </p:txBody>
@@ -3405,6 +4202,14 @@
 <file path=ppt/slides/slide5.xml><?xml version="1.0" encoding="utf-8"?>
 <p:sld xmlns:a="http://schemas.openxmlformats.org/drawingml/2006/main" xmlns:p="http://schemas.openxmlformats.org/presentationml/2006/main" xmlns:r="http://schemas.openxmlformats.org/officeDocument/2006/relationships">
   <p:cSld>
+    <p:bg>
+      <p:bgPr>
+        <a:solidFill>
+          <a:srgbClr val="FAFAFA"/>
+        </a:solidFill>
+        <a:effectLst/>
+      </p:bgPr>
+    </p:bg>
     <p:spTree>
       <p:nvGrpSpPr>
         <p:cNvPr id="1" name=""/>
@@ -3414,19 +4219,33 @@
       <p:grpSpPr/>
       <p:sp>
         <p:nvSpPr>
-          <p:cNvPr id="2" name="Title 1"/>
-          <p:cNvSpPr>
-            <a:spLocks noGrp="1"/>
-          </p:cNvSpPr>
-          <p:nvPr>
-            <p:ph type="title"/>
-          </p:nvPr>
-        </p:nvSpPr>
-        <p:spPr/>
-        <p:txBody>
-          <a:bodyPr/>
-          <a:lstStyle/>
-          <a:p>
+          <p:cNvPr id="2" name="TextBox 1"/>
+          <p:cNvSpPr txBox="1"/>
+          <p:nvPr/>
+        </p:nvSpPr>
+        <p:spPr>
+          <a:xfrm>
+            <a:off x="548640" y="274320"/>
+            <a:ext cx="8046720" cy="731520"/>
+          </a:xfrm>
+          <a:prstGeom prst="rect">
+            <a:avLst/>
+          </a:prstGeom>
+          <a:noFill/>
+        </p:spPr>
+        <p:txBody>
+          <a:bodyPr wrap="none">
+            <a:spAutoFit/>
+          </a:bodyPr>
+          <a:lstStyle/>
+          <a:p>
+            <a:pPr>
+              <a:defRPr sz="2800" b="1">
+                <a:solidFill>
+                  <a:srgbClr val="1261A0"/>
+                </a:solidFill>
+              </a:defRPr>
+            </a:pPr>
             <a:r>
               <a:t>4. Framework ⚙️</a:t>
             </a:r>
@@ -3435,71 +4254,135 @@
       </p:sp>
       <p:sp>
         <p:nvSpPr>
-          <p:cNvPr id="3" name="Content Placeholder 2"/>
-          <p:cNvSpPr>
-            <a:spLocks noGrp="1"/>
-          </p:cNvSpPr>
-          <p:nvPr>
-            <p:ph idx="1"/>
-          </p:nvPr>
-        </p:nvSpPr>
-        <p:spPr/>
-        <p:txBody>
-          <a:bodyPr/>
-          <a:lstStyle/>
-          <a:p/>
-          <a:p>
-            <a:pPr>
-              <a:defRPr b="1"/>
+          <p:cNvPr id="3" name="TextBox 2"/>
+          <p:cNvSpPr txBox="1"/>
+          <p:nvPr/>
+        </p:nvSpPr>
+        <p:spPr>
+          <a:xfrm>
+            <a:off x="548640" y="1188720"/>
+            <a:ext cx="5303520" cy="3840480"/>
+          </a:xfrm>
+          <a:prstGeom prst="rect">
+            <a:avLst/>
+          </a:prstGeom>
+          <a:noFill/>
+        </p:spPr>
+        <p:txBody>
+          <a:bodyPr wrap="none">
+            <a:spAutoFit/>
+          </a:bodyPr>
+          <a:lstStyle/>
+          <a:p>
+            <a:pPr>
+              <a:defRPr sz="1200">
+                <a:solidFill>
+                  <a:srgbClr val="282828"/>
+                </a:solidFill>
+              </a:defRPr>
+            </a:pPr>
+          </a:p>
+          <a:p>
+            <a:pPr>
+              <a:defRPr b="1" sz="1200">
+                <a:solidFill>
+                  <a:srgbClr val="282828"/>
+                </a:solidFill>
+              </a:defRPr>
             </a:pPr>
             <a:r>
               <a:t>a. Technology / Prototype</a:t>
             </a:r>
           </a:p>
           <a:p>
-            <a:pPr/>
-            <a:r>
-              <a:t>**Stack:** Python 3, Streamlit, CSV (локальне зберігання); файли: `streamlit_service_app.py`, `appointments.csv`.</a:t>
-            </a:r>
-          </a:p>
-          <a:p>
-            <a:pPr/>
-            <a:r>
-              <a:t>**Prototype:** робочий MVP у папці `Task 5`.</a:t>
-            </a:r>
-          </a:p>
-          <a:p>
-            <a:pPr>
-              <a:defRPr b="1"/>
+            <a:pPr>
+              <a:defRPr sz="1200">
+                <a:solidFill>
+                  <a:srgbClr val="282828"/>
+                </a:solidFill>
+              </a:defRPr>
+            </a:pPr>
+            <a:r>
+              <a:t>**Stack:** Python 3, Streamlit, CSV (local storage); files: `streamlit_service_app.py`, `appointments.csv`.</a:t>
+            </a:r>
+          </a:p>
+          <a:p>
+            <a:pPr>
+              <a:defRPr sz="1200">
+                <a:solidFill>
+                  <a:srgbClr val="282828"/>
+                </a:solidFill>
+              </a:defRPr>
+            </a:pPr>
+            <a:r>
+              <a:t>**Prototype:** Working MVP in the `Task 5` folder.</a:t>
+            </a:r>
+          </a:p>
+          <a:p>
+            <a:pPr>
+              <a:defRPr b="1" sz="1200">
+                <a:solidFill>
+                  <a:srgbClr val="282828"/>
+                </a:solidFill>
+              </a:defRPr>
             </a:pPr>
             <a:r>
               <a:t>b. Application Screening process</a:t>
             </a:r>
           </a:p>
           <a:p>
-            <a:pPr/>
-            <a:r>
-              <a:t>Валідація полів (ім'я, контакт), перевірка дати (не в минулому), перевірка на конфлікти з опціональним буфером.</a:t>
-            </a:r>
-          </a:p>
-          <a:p>
-            <a:pPr>
-              <a:defRPr b="1"/>
-            </a:pPr>
-            <a:r>
-              <a:t>c. Value proposition</a:t>
-            </a:r>
-          </a:p>
-          <a:p>
-            <a:pPr/>
-            <a:r>
-              <a:t>Швидке впровадження, низька вартість, інтуїтивний інтерфейс, зручний експорт даних і базис для інтеграцій.</a:t>
-            </a:r>
-          </a:p>
-          <a:p>
-            <a:pPr/>
+            <a:pPr>
+              <a:defRPr sz="1200">
+                <a:solidFill>
+                  <a:srgbClr val="282828"/>
+                </a:solidFill>
+              </a:defRPr>
+            </a:pPr>
+            <a:r>
+              <a:t>Field validation (name, contact), date validation (not in the past), and conflict checking with optional buffer minutes.</a:t>
+            </a:r>
+          </a:p>
+          <a:p>
+            <a:pPr>
+              <a:defRPr sz="1200">
+                <a:solidFill>
+                  <a:srgbClr val="282828"/>
+                </a:solidFill>
+              </a:defRPr>
+            </a:pPr>
             <a:r>
               <a:t>---</a:t>
+            </a:r>
+          </a:p>
+        </p:txBody>
+      </p:sp>
+      <p:sp>
+        <p:nvSpPr>
+          <p:cNvPr id="4" name="TextBox 3"/>
+          <p:cNvSpPr txBox="1"/>
+          <p:nvPr/>
+        </p:nvSpPr>
+        <p:spPr>
+          <a:xfrm>
+            <a:off x="548640" y="5120640"/>
+            <a:ext cx="8046720" cy="274320"/>
+          </a:xfrm>
+          <a:prstGeom prst="rect">
+            <a:avLst/>
+          </a:prstGeom>
+          <a:noFill/>
+        </p:spPr>
+        <p:txBody>
+          <a:bodyPr wrap="none">
+            <a:spAutoFit/>
+          </a:bodyPr>
+          <a:lstStyle/>
+          <a:p>
+            <a:pPr>
+              <a:defRPr sz="1000" i="1"/>
+            </a:pPr>
+            <a:r>
+              <a:t>Car Service Booking — 2026-01-14</a:t>
             </a:r>
           </a:p>
         </p:txBody>
@@ -3515,6 +4398,14 @@
 <file path=ppt/slides/slide6.xml><?xml version="1.0" encoding="utf-8"?>
 <p:sld xmlns:a="http://schemas.openxmlformats.org/drawingml/2006/main" xmlns:p="http://schemas.openxmlformats.org/presentationml/2006/main" xmlns:r="http://schemas.openxmlformats.org/officeDocument/2006/relationships">
   <p:cSld>
+    <p:bg>
+      <p:bgPr>
+        <a:solidFill>
+          <a:srgbClr val="FAFAFA"/>
+        </a:solidFill>
+        <a:effectLst/>
+      </p:bgPr>
+    </p:bg>
     <p:spTree>
       <p:nvGrpSpPr>
         <p:cNvPr id="1" name=""/>
@@ -3524,226 +4415,182 @@
       <p:grpSpPr/>
       <p:sp>
         <p:nvSpPr>
-          <p:cNvPr id="2" name="Title 1"/>
-          <p:cNvSpPr>
-            <a:spLocks noGrp="1"/>
-          </p:cNvSpPr>
-          <p:nvPr>
-            <p:ph type="title"/>
-          </p:nvPr>
-        </p:nvSpPr>
-        <p:spPr/>
-        <p:txBody>
-          <a:bodyPr/>
-          <a:lstStyle/>
-          <a:p>
-            <a:r>
-              <a:t>5. Analysis 📊</a:t>
-            </a:r>
-          </a:p>
-        </p:txBody>
-      </p:sp>
-      <p:sp>
-        <p:nvSpPr>
-          <p:cNvPr id="3" name="Content Placeholder 2"/>
-          <p:cNvSpPr>
-            <a:spLocks noGrp="1"/>
-          </p:cNvSpPr>
-          <p:nvPr>
-            <p:ph idx="1"/>
-          </p:nvPr>
-        </p:nvSpPr>
-        <p:spPr/>
-        <p:txBody>
-          <a:bodyPr/>
-          <a:lstStyle/>
-          <a:p/>
-          <a:p>
-            <a:pPr>
-              <a:defRPr b="1"/>
-            </a:pPr>
-            <a:r>
-              <a:t>a. Market segmentation</a:t>
-            </a:r>
-          </a:p>
-          <a:p>
-            <a:pPr/>
-            <a:r>
-              <a:t>Малий/середній автосервіс (1–10 майстрів)</a:t>
-            </a:r>
-          </a:p>
-          <a:p>
-            <a:pPr/>
-            <a:r>
-              <a:t>Локальні мережі сервісів</a:t>
-            </a:r>
-          </a:p>
-          <a:p>
-            <a:pPr/>
-            <a:r>
-              <a:t>Флот-менеджери (комерційний парк)</a:t>
-            </a:r>
-          </a:p>
-          <a:p>
-            <a:pPr/>
-            <a:r>
-              <a:t>Кінцеві клієнти (зручність бронювання)</a:t>
-            </a:r>
-          </a:p>
-          <a:p>
-            <a:pPr>
-              <a:defRPr b="1"/>
-            </a:pPr>
-            <a:r>
-              <a:t>b. SWOT analysis</a:t>
-            </a:r>
-          </a:p>
-          <a:p>
-            <a:pPr/>
-            <a:r>
-              <a:t>**Strengths:** швидкий MVP, простота, низькі витрати</a:t>
-            </a:r>
-          </a:p>
-          <a:p>
-            <a:pPr/>
-            <a:r>
-              <a:t>**Weaknesses:** обмежена масштабованість при CSV, відсутність багатокористувацького доступу</a:t>
-            </a:r>
-          </a:p>
-          <a:p>
-            <a:pPr/>
-            <a:r>
-              <a:t>**Opportunities:** інтеграції (календар, SMS, оплатa), SaaS-модель</a:t>
-            </a:r>
-          </a:p>
-          <a:p>
-            <a:pPr/>
-            <a:r>
-              <a:t>**Threats:** конкуренти з готовими комплексними CRM/ERP, безпекові вимоги</a:t>
-            </a:r>
-          </a:p>
-          <a:p>
-            <a:pPr>
-              <a:defRPr b="1"/>
-            </a:pPr>
-            <a:r>
-              <a:t>c. Marketing communication strategy</a:t>
-            </a:r>
-          </a:p>
-          <a:p>
-            <a:pPr/>
-            <a:r>
-              <a:t>Канали: локальна реклама, Google My Business, Facebook/Instagram, партнерства з постачальниками запчастин.</a:t>
-            </a:r>
-          </a:p>
-          <a:p>
-            <a:pPr/>
-            <a:r>
-              <a:t>Повідомлення: «Просто бронюй, менше пропущених клієнтів», кейси «збільшення продуктивності».</a:t>
-            </a:r>
-          </a:p>
-          <a:p>
-            <a:pPr>
-              <a:defRPr b="1"/>
-            </a:pPr>
-            <a:r>
-              <a:t>d. Product portfolio</a:t>
-            </a:r>
-          </a:p>
-          <a:p>
-            <a:pPr/>
-            <a:r>
-              <a:t>**Free / Local** — базові функції, CSV.</a:t>
-            </a:r>
-          </a:p>
-          <a:p>
-            <a:pPr/>
-            <a:r>
-              <a:t>**Pro** — база даних, багатокористувацький доступ, календарна синхронізація, SMS-сповіщення.</a:t>
-            </a:r>
-          </a:p>
-          <a:p>
-            <a:pPr/>
-            <a:r>
-              <a:t>**Enterprise** — API, інтеграція з обліком, SLA.</a:t>
-            </a:r>
-          </a:p>
-          <a:p>
-            <a:pPr>
-              <a:defRPr b="1"/>
-            </a:pPr>
-            <a:r>
-              <a:t>e. Organization structure</a:t>
-            </a:r>
-          </a:p>
-          <a:p>
-            <a:pPr/>
-            <a:r>
-              <a:t>Small start: Product Owner / Developer, 1–2 Developers, Support/Customer Success, Marketing &amp; Sales.</a:t>
-            </a:r>
-          </a:p>
-          <a:p>
-            <a:pPr>
-              <a:defRPr b="1"/>
-            </a:pPr>
-            <a:r>
-              <a:t>f. Financial plan (high-level)</a:t>
-            </a:r>
-          </a:p>
-          <a:p>
-            <a:pPr/>
-            <a:r>
-              <a:t>**Доходи:** підписка Pro (місяць/рік), плата за впровадження, платні інтеграції.</a:t>
-            </a:r>
-          </a:p>
-          <a:p>
-            <a:pPr/>
-            <a:r>
-              <a:t>**Витрати:** розробка, хостинг, маркетинг, підтримка.</a:t>
-            </a:r>
-          </a:p>
-          <a:p>
-            <a:pPr/>
-            <a:r>
-              <a:t>Простий прогноз: точка беззбитковості при ~200 Pro-користувачів (залежить від ціноутворення).</a:t>
-            </a:r>
-          </a:p>
-          <a:p>
-            <a:pPr>
-              <a:defRPr b="1"/>
-            </a:pPr>
-            <a:r>
-              <a:t>g. Business development roadmap</a:t>
-            </a:r>
-          </a:p>
-          <a:p>
-            <a:pPr/>
-            <a:r>
-              <a:t>Q1: MVP &amp; локальні пілоти</a:t>
-            </a:r>
-          </a:p>
-          <a:p>
-            <a:pPr/>
-            <a:r>
-              <a:t>Q2: Функції Pro (DB, auth), тестування інтеграцій</a:t>
-            </a:r>
-          </a:p>
-          <a:p>
-            <a:pPr/>
-            <a:r>
-              <a:t>Q3: Запуск платної підписки, маркетинг</a:t>
-            </a:r>
-          </a:p>
-          <a:p>
-            <a:pPr/>
-            <a:r>
-              <a:t>Q4: Масштабування, партнерства та B2B продажі</a:t>
-            </a:r>
-          </a:p>
-          <a:p>
-            <a:pPr/>
+          <p:cNvPr id="2" name="TextBox 1"/>
+          <p:cNvSpPr txBox="1"/>
+          <p:nvPr/>
+        </p:nvSpPr>
+        <p:spPr>
+          <a:xfrm>
+            <a:off x="548640" y="274320"/>
+            <a:ext cx="8046720" cy="731520"/>
+          </a:xfrm>
+          <a:prstGeom prst="rect">
+            <a:avLst/>
+          </a:prstGeom>
+          <a:noFill/>
+        </p:spPr>
+        <p:txBody>
+          <a:bodyPr wrap="none">
+            <a:spAutoFit/>
+          </a:bodyPr>
+          <a:lstStyle/>
+          <a:p>
+            <a:pPr>
+              <a:defRPr sz="2800" b="1">
+                <a:solidFill>
+                  <a:srgbClr val="1261A0"/>
+                </a:solidFill>
+              </a:defRPr>
+            </a:pPr>
+            <a:r>
+              <a:t>Screenshots &amp; Demo 🎬</a:t>
+            </a:r>
+          </a:p>
+        </p:txBody>
+      </p:sp>
+      <p:sp>
+        <p:nvSpPr>
+          <p:cNvPr id="3" name="TextBox 2"/>
+          <p:cNvSpPr txBox="1"/>
+          <p:nvPr/>
+        </p:nvSpPr>
+        <p:spPr>
+          <a:xfrm>
+            <a:off x="548640" y="1188720"/>
+            <a:ext cx="5303520" cy="3840480"/>
+          </a:xfrm>
+          <a:prstGeom prst="rect">
+            <a:avLst/>
+          </a:prstGeom>
+          <a:noFill/>
+        </p:spPr>
+        <p:txBody>
+          <a:bodyPr wrap="none">
+            <a:spAutoFit/>
+          </a:bodyPr>
+          <a:lstStyle/>
+          <a:p>
+            <a:pPr>
+              <a:defRPr sz="1200">
+                <a:solidFill>
+                  <a:srgbClr val="282828"/>
+                </a:solidFill>
+              </a:defRPr>
+            </a:pPr>
+          </a:p>
+          <a:p>
+            <a:pPr>
+              <a:defRPr sz="1200">
+                <a:solidFill>
+                  <a:srgbClr val="282828"/>
+                </a:solidFill>
+              </a:defRPr>
+            </a:pPr>
+            <a:r>
+              <a:t>Code snippet (core booking logic) — see `assets/code.png`.</a:t>
+            </a:r>
+          </a:p>
+          <a:p>
+            <a:pPr>
+              <a:defRPr sz="1200">
+                <a:solidFill>
+                  <a:srgbClr val="282828"/>
+                </a:solidFill>
+              </a:defRPr>
+            </a:pPr>
+            <a:r>
+              <a:t>Booking flow: fill form and submit — see `assets/booking.png`.</a:t>
+            </a:r>
+          </a:p>
+          <a:p>
+            <a:pPr>
+              <a:defRPr sz="1200">
+                <a:solidFill>
+                  <a:srgbClr val="282828"/>
+                </a:solidFill>
+              </a:defRPr>
+            </a:pPr>
+            <a:r>
+              <a:t>Editing a booking — see `assets/edit.png`.</a:t>
+            </a:r>
+          </a:p>
+          <a:p>
+            <a:pPr>
+              <a:defRPr sz="1200">
+                <a:solidFill>
+                  <a:srgbClr val="282828"/>
+                </a:solidFill>
+              </a:defRPr>
+            </a:pPr>
+            <a:r>
+              <a:t>Deleting a booking (confirmation) — see `assets/delete.png`.</a:t>
+            </a:r>
+          </a:p>
+          <a:p>
+            <a:pPr>
+              <a:defRPr b="1" sz="1200">
+                <a:solidFill>
+                  <a:srgbClr val="282828"/>
+                </a:solidFill>
+              </a:defRPr>
+            </a:pPr>
+            <a:r>
+              <a:t>c. Value proposition</a:t>
+            </a:r>
+          </a:p>
+          <a:p>
+            <a:pPr>
+              <a:defRPr sz="1200">
+                <a:solidFill>
+                  <a:srgbClr val="282828"/>
+                </a:solidFill>
+              </a:defRPr>
+            </a:pPr>
+            <a:r>
+              <a:t>Fast time-to-deploy, low cost, intuitive UI, easy data export, and a foundation for integrations.</a:t>
+            </a:r>
+          </a:p>
+          <a:p>
+            <a:pPr>
+              <a:defRPr sz="1200">
+                <a:solidFill>
+                  <a:srgbClr val="282828"/>
+                </a:solidFill>
+              </a:defRPr>
+            </a:pPr>
             <a:r>
               <a:t>---</a:t>
+            </a:r>
+          </a:p>
+        </p:txBody>
+      </p:sp>
+      <p:sp>
+        <p:nvSpPr>
+          <p:cNvPr id="4" name="TextBox 3"/>
+          <p:cNvSpPr txBox="1"/>
+          <p:nvPr/>
+        </p:nvSpPr>
+        <p:spPr>
+          <a:xfrm>
+            <a:off x="548640" y="5120640"/>
+            <a:ext cx="8046720" cy="274320"/>
+          </a:xfrm>
+          <a:prstGeom prst="rect">
+            <a:avLst/>
+          </a:prstGeom>
+          <a:noFill/>
+        </p:spPr>
+        <p:txBody>
+          <a:bodyPr wrap="none">
+            <a:spAutoFit/>
+          </a:bodyPr>
+          <a:lstStyle/>
+          <a:p>
+            <a:pPr>
+              <a:defRPr sz="1000" i="1"/>
+            </a:pPr>
+            <a:r>
+              <a:t>Car Service Booking — 2026-01-14</a:t>
             </a:r>
           </a:p>
         </p:txBody>
@@ -3759,6 +4606,14 @@
 <file path=ppt/slides/slide7.xml><?xml version="1.0" encoding="utf-8"?>
 <p:sld xmlns:a="http://schemas.openxmlformats.org/drawingml/2006/main" xmlns:p="http://schemas.openxmlformats.org/presentationml/2006/main" xmlns:r="http://schemas.openxmlformats.org/officeDocument/2006/relationships">
   <p:cSld>
+    <p:bg>
+      <p:bgPr>
+        <a:solidFill>
+          <a:srgbClr val="FAFAFA"/>
+        </a:solidFill>
+        <a:effectLst/>
+      </p:bgPr>
+    </p:bg>
     <p:spTree>
       <p:nvGrpSpPr>
         <p:cNvPr id="1" name=""/>
@@ -3768,62 +4623,526 @@
       <p:grpSpPr/>
       <p:sp>
         <p:nvSpPr>
-          <p:cNvPr id="2" name="Title 1"/>
-          <p:cNvSpPr>
-            <a:spLocks noGrp="1"/>
-          </p:cNvSpPr>
-          <p:nvPr>
-            <p:ph type="title"/>
-          </p:nvPr>
-        </p:nvSpPr>
-        <p:spPr/>
-        <p:txBody>
-          <a:bodyPr/>
-          <a:lstStyle/>
-          <a:p>
-            <a:r>
-              <a:t>6. Conclusion 🏁</a:t>
-            </a:r>
-          </a:p>
-        </p:txBody>
-      </p:sp>
-      <p:sp>
-        <p:nvSpPr>
-          <p:cNvPr id="3" name="Content Placeholder 2"/>
-          <p:cNvSpPr>
-            <a:spLocks noGrp="1"/>
-          </p:cNvSpPr>
-          <p:nvPr>
-            <p:ph idx="1"/>
-          </p:nvPr>
-        </p:nvSpPr>
-        <p:spPr/>
-        <p:txBody>
-          <a:bodyPr/>
-          <a:lstStyle/>
-          <a:p/>
-          <a:p>
-            <a:pPr/>
-            <a:r>
-              <a:t>Підсумок: Додаток закриває конкретну болючу точку для малого автосервісу — просте, швидке та дешеве бронювання з базовими інструментами керування.</a:t>
-            </a:r>
-          </a:p>
-          <a:p>
-            <a:pPr/>
-            <a:r>
-              <a:t>Наступні кроки: провести пілот у 2–3 сервісах, зібрати відгуки, додати DB та можливість синхронізації календаря як пріоритетні фічі.</a:t>
-            </a:r>
-          </a:p>
-          <a:p>
-            <a:pPr/>
-            <a:r>
-              <a:t>---</a:t>
-            </a:r>
-          </a:p>
-          <a:p>
-            <a:pPr/>
-            <a:r>
-              <a:t>*This file was generated automatically in the repository under `Task 5` as `APP_Presentation.md`.*</a:t>
+          <p:cNvPr id="2" name="TextBox 1"/>
+          <p:cNvSpPr txBox="1"/>
+          <p:nvPr/>
+        </p:nvSpPr>
+        <p:spPr>
+          <a:xfrm>
+            <a:off x="548640" y="274320"/>
+            <a:ext cx="8046720" cy="731520"/>
+          </a:xfrm>
+          <a:prstGeom prst="rect">
+            <a:avLst/>
+          </a:prstGeom>
+          <a:noFill/>
+        </p:spPr>
+        <p:txBody>
+          <a:bodyPr wrap="none">
+            <a:spAutoFit/>
+          </a:bodyPr>
+          <a:lstStyle/>
+          <a:p>
+            <a:pPr>
+              <a:defRPr sz="2800" b="1">
+                <a:solidFill>
+                  <a:srgbClr val="1261A0"/>
+                </a:solidFill>
+              </a:defRPr>
+            </a:pPr>
+            <a:r>
+              <a:t>5. Market segmentation</a:t>
+            </a:r>
+          </a:p>
+        </p:txBody>
+      </p:sp>
+      <p:sp>
+        <p:nvSpPr>
+          <p:cNvPr id="3" name="TextBox 2"/>
+          <p:cNvSpPr txBox="1"/>
+          <p:nvPr/>
+        </p:nvSpPr>
+        <p:spPr>
+          <a:xfrm>
+            <a:off x="548640" y="1188720"/>
+            <a:ext cx="5303520" cy="3840480"/>
+          </a:xfrm>
+          <a:prstGeom prst="rect">
+            <a:avLst/>
+          </a:prstGeom>
+          <a:noFill/>
+        </p:spPr>
+        <p:txBody>
+          <a:bodyPr wrap="none">
+            <a:spAutoFit/>
+          </a:bodyPr>
+          <a:lstStyle/>
+          <a:p>
+            <a:pPr>
+              <a:defRPr sz="1300">
+                <a:solidFill>
+                  <a:srgbClr val="282828"/>
+                </a:solidFill>
+              </a:defRPr>
+            </a:pPr>
+          </a:p>
+          <a:p>
+            <a:pPr>
+              <a:defRPr sz="1300">
+                <a:solidFill>
+                  <a:srgbClr val="282828"/>
+                </a:solidFill>
+              </a:defRPr>
+            </a:pPr>
+            <a:r>
+              <a:t>Small/medium repair shops (1–10 technicians)</a:t>
+            </a:r>
+          </a:p>
+          <a:p>
+            <a:pPr>
+              <a:defRPr sz="1300">
+                <a:solidFill>
+                  <a:srgbClr val="282828"/>
+                </a:solidFill>
+              </a:defRPr>
+            </a:pPr>
+            <a:r>
+              <a:t>Local service chains</a:t>
+            </a:r>
+          </a:p>
+          <a:p>
+            <a:pPr>
+              <a:defRPr sz="1300">
+                <a:solidFill>
+                  <a:srgbClr val="282828"/>
+                </a:solidFill>
+              </a:defRPr>
+            </a:pPr>
+            <a:r>
+              <a:t>Fleet managers (commercial fleets)</a:t>
+            </a:r>
+          </a:p>
+          <a:p>
+            <a:pPr>
+              <a:defRPr sz="1300">
+                <a:solidFill>
+                  <a:srgbClr val="282828"/>
+                </a:solidFill>
+              </a:defRPr>
+            </a:pPr>
+            <a:r>
+              <a:t>End customers (convenient booking)</a:t>
+            </a:r>
+          </a:p>
+        </p:txBody>
+      </p:sp>
+      <p:sp>
+        <p:nvSpPr>
+          <p:cNvPr id="4" name="TextBox 3"/>
+          <p:cNvSpPr txBox="1"/>
+          <p:nvPr/>
+        </p:nvSpPr>
+        <p:spPr>
+          <a:xfrm>
+            <a:off x="548640" y="5120640"/>
+            <a:ext cx="8046720" cy="274320"/>
+          </a:xfrm>
+          <a:prstGeom prst="rect">
+            <a:avLst/>
+          </a:prstGeom>
+          <a:noFill/>
+        </p:spPr>
+        <p:txBody>
+          <a:bodyPr wrap="none">
+            <a:spAutoFit/>
+          </a:bodyPr>
+          <a:lstStyle/>
+          <a:p>
+            <a:pPr>
+              <a:defRPr sz="1000" i="1"/>
+            </a:pPr>
+            <a:r>
+              <a:t>Car Service Booking — 2026-01-14</a:t>
+            </a:r>
+          </a:p>
+        </p:txBody>
+      </p:sp>
+    </p:spTree>
+  </p:cSld>
+  <p:clrMapOvr>
+    <a:masterClrMapping/>
+  </p:clrMapOvr>
+</p:sld>
+</file>
+
+<file path=ppt/slides/slide8.xml><?xml version="1.0" encoding="utf-8"?>
+<p:sld xmlns:a="http://schemas.openxmlformats.org/drawingml/2006/main" xmlns:p="http://schemas.openxmlformats.org/presentationml/2006/main" xmlns:r="http://schemas.openxmlformats.org/officeDocument/2006/relationships">
+  <p:cSld>
+    <p:bg>
+      <p:bgPr>
+        <a:solidFill>
+          <a:srgbClr val="FAFAFA"/>
+        </a:solidFill>
+        <a:effectLst/>
+      </p:bgPr>
+    </p:bg>
+    <p:spTree>
+      <p:nvGrpSpPr>
+        <p:cNvPr id="1" name=""/>
+        <p:cNvGrpSpPr/>
+        <p:nvPr/>
+      </p:nvGrpSpPr>
+      <p:grpSpPr/>
+      <p:sp>
+        <p:nvSpPr>
+          <p:cNvPr id="2" name="TextBox 1"/>
+          <p:cNvSpPr txBox="1"/>
+          <p:nvPr/>
+        </p:nvSpPr>
+        <p:spPr>
+          <a:xfrm>
+            <a:off x="548640" y="274320"/>
+            <a:ext cx="8046720" cy="731520"/>
+          </a:xfrm>
+          <a:prstGeom prst="rect">
+            <a:avLst/>
+          </a:prstGeom>
+          <a:noFill/>
+        </p:spPr>
+        <p:txBody>
+          <a:bodyPr wrap="none">
+            <a:spAutoFit/>
+          </a:bodyPr>
+          <a:lstStyle/>
+          <a:p>
+            <a:pPr>
+              <a:defRPr sz="2800" b="1">
+                <a:solidFill>
+                  <a:srgbClr val="1261A0"/>
+                </a:solidFill>
+              </a:defRPr>
+            </a:pPr>
+            <a:r>
+              <a:t>6. SWOT analysis</a:t>
+            </a:r>
+          </a:p>
+        </p:txBody>
+      </p:sp>
+      <p:sp>
+        <p:nvSpPr>
+          <p:cNvPr id="3" name="TextBox 2"/>
+          <p:cNvSpPr txBox="1"/>
+          <p:nvPr/>
+        </p:nvSpPr>
+        <p:spPr>
+          <a:xfrm>
+            <a:off x="548640" y="1188720"/>
+            <a:ext cx="5303520" cy="3840480"/>
+          </a:xfrm>
+          <a:prstGeom prst="rect">
+            <a:avLst/>
+          </a:prstGeom>
+          <a:noFill/>
+        </p:spPr>
+        <p:txBody>
+          <a:bodyPr wrap="none">
+            <a:spAutoFit/>
+          </a:bodyPr>
+          <a:lstStyle/>
+          <a:p>
+            <a:pPr>
+              <a:defRPr sz="1300">
+                <a:solidFill>
+                  <a:srgbClr val="282828"/>
+                </a:solidFill>
+              </a:defRPr>
+            </a:pPr>
+          </a:p>
+          <a:p>
+            <a:pPr>
+              <a:defRPr sz="1300">
+                <a:solidFill>
+                  <a:srgbClr val="282828"/>
+                </a:solidFill>
+              </a:defRPr>
+            </a:pPr>
+            <a:r>
+              <a:t>**Strengths:** fast MVP, simplicity, low costs</a:t>
+            </a:r>
+          </a:p>
+          <a:p>
+            <a:pPr>
+              <a:defRPr sz="1300">
+                <a:solidFill>
+                  <a:srgbClr val="282828"/>
+                </a:solidFill>
+              </a:defRPr>
+            </a:pPr>
+            <a:r>
+              <a:t>**Weaknesses:** limited scalability when using CSV, no multi-user access</a:t>
+            </a:r>
+          </a:p>
+          <a:p>
+            <a:pPr>
+              <a:defRPr sz="1300">
+                <a:solidFill>
+                  <a:srgbClr val="282828"/>
+                </a:solidFill>
+              </a:defRPr>
+            </a:pPr>
+            <a:r>
+              <a:t>**Opportunities:** integrations (calendar, SMS, payments), SaaS model</a:t>
+            </a:r>
+          </a:p>
+          <a:p>
+            <a:pPr>
+              <a:defRPr sz="1300">
+                <a:solidFill>
+                  <a:srgbClr val="282828"/>
+                </a:solidFill>
+              </a:defRPr>
+            </a:pPr>
+            <a:r>
+              <a:t>**Threats:** competitors with full CRM/ERP suites, security and compliance requirements</a:t>
+            </a:r>
+          </a:p>
+        </p:txBody>
+      </p:sp>
+      <p:sp>
+        <p:nvSpPr>
+          <p:cNvPr id="4" name="TextBox 3"/>
+          <p:cNvSpPr txBox="1"/>
+          <p:nvPr/>
+        </p:nvSpPr>
+        <p:spPr>
+          <a:xfrm>
+            <a:off x="548640" y="5120640"/>
+            <a:ext cx="8046720" cy="274320"/>
+          </a:xfrm>
+          <a:prstGeom prst="rect">
+            <a:avLst/>
+          </a:prstGeom>
+          <a:noFill/>
+        </p:spPr>
+        <p:txBody>
+          <a:bodyPr wrap="none">
+            <a:spAutoFit/>
+          </a:bodyPr>
+          <a:lstStyle/>
+          <a:p>
+            <a:pPr>
+              <a:defRPr sz="1000" i="1"/>
+            </a:pPr>
+            <a:r>
+              <a:t>Car Service Booking — 2026-01-14</a:t>
+            </a:r>
+          </a:p>
+        </p:txBody>
+      </p:sp>
+    </p:spTree>
+  </p:cSld>
+  <p:clrMapOvr>
+    <a:masterClrMapping/>
+  </p:clrMapOvr>
+</p:sld>
+</file>
+
+<file path=ppt/slides/slide9.xml><?xml version="1.0" encoding="utf-8"?>
+<p:sld xmlns:a="http://schemas.openxmlformats.org/drawingml/2006/main" xmlns:p="http://schemas.openxmlformats.org/presentationml/2006/main" xmlns:r="http://schemas.openxmlformats.org/officeDocument/2006/relationships">
+  <p:cSld>
+    <p:bg>
+      <p:bgPr>
+        <a:solidFill>
+          <a:srgbClr val="FAFAFA"/>
+        </a:solidFill>
+        <a:effectLst/>
+      </p:bgPr>
+    </p:bg>
+    <p:spTree>
+      <p:nvGrpSpPr>
+        <p:cNvPr id="1" name=""/>
+        <p:cNvGrpSpPr/>
+        <p:nvPr/>
+      </p:nvGrpSpPr>
+      <p:grpSpPr/>
+      <p:sp>
+        <p:nvSpPr>
+          <p:cNvPr id="2" name="TextBox 1"/>
+          <p:cNvSpPr txBox="1"/>
+          <p:nvPr/>
+        </p:nvSpPr>
+        <p:spPr>
+          <a:xfrm>
+            <a:off x="548640" y="274320"/>
+            <a:ext cx="8046720" cy="731520"/>
+          </a:xfrm>
+          <a:prstGeom prst="rect">
+            <a:avLst/>
+          </a:prstGeom>
+          <a:noFill/>
+        </p:spPr>
+        <p:txBody>
+          <a:bodyPr wrap="none">
+            <a:spAutoFit/>
+          </a:bodyPr>
+          <a:lstStyle/>
+          <a:p>
+            <a:pPr>
+              <a:defRPr sz="2800" b="1">
+                <a:solidFill>
+                  <a:srgbClr val="1261A0"/>
+                </a:solidFill>
+              </a:defRPr>
+            </a:pPr>
+            <a:r>
+              <a:t>7. Marketing &amp; Product</a:t>
+            </a:r>
+          </a:p>
+        </p:txBody>
+      </p:sp>
+      <p:sp>
+        <p:nvSpPr>
+          <p:cNvPr id="3" name="TextBox 2"/>
+          <p:cNvSpPr txBox="1"/>
+          <p:nvPr/>
+        </p:nvSpPr>
+        <p:spPr>
+          <a:xfrm>
+            <a:off x="548640" y="1188720"/>
+            <a:ext cx="5303520" cy="3840480"/>
+          </a:xfrm>
+          <a:prstGeom prst="rect">
+            <a:avLst/>
+          </a:prstGeom>
+          <a:noFill/>
+        </p:spPr>
+        <p:txBody>
+          <a:bodyPr wrap="none">
+            <a:spAutoFit/>
+          </a:bodyPr>
+          <a:lstStyle/>
+          <a:p>
+            <a:pPr>
+              <a:defRPr sz="1200">
+                <a:solidFill>
+                  <a:srgbClr val="282828"/>
+                </a:solidFill>
+              </a:defRPr>
+            </a:pPr>
+          </a:p>
+          <a:p>
+            <a:pPr>
+              <a:defRPr b="1" sz="1200">
+                <a:solidFill>
+                  <a:srgbClr val="282828"/>
+                </a:solidFill>
+              </a:defRPr>
+            </a:pPr>
+            <a:r>
+              <a:t>Marketing communication strategy</a:t>
+            </a:r>
+          </a:p>
+          <a:p>
+            <a:pPr>
+              <a:defRPr sz="1200">
+                <a:solidFill>
+                  <a:srgbClr val="282828"/>
+                </a:solidFill>
+              </a:defRPr>
+            </a:pPr>
+            <a:r>
+              <a:t>Channels: local advertising, Google My Business, Facebook/Instagram, partnerships with parts suppliers.</a:t>
+            </a:r>
+          </a:p>
+          <a:p>
+            <a:pPr>
+              <a:defRPr sz="1200">
+                <a:solidFill>
+                  <a:srgbClr val="282828"/>
+                </a:solidFill>
+              </a:defRPr>
+            </a:pPr>
+            <a:r>
+              <a:t>Message: "Book easily, fewer missed customers"; highlight case studies showing improved productivity.</a:t>
+            </a:r>
+          </a:p>
+          <a:p>
+            <a:pPr>
+              <a:defRPr b="1" sz="1200">
+                <a:solidFill>
+                  <a:srgbClr val="282828"/>
+                </a:solidFill>
+              </a:defRPr>
+            </a:pPr>
+            <a:r>
+              <a:t>Product portfolio</a:t>
+            </a:r>
+          </a:p>
+          <a:p>
+            <a:pPr>
+              <a:defRPr sz="1200">
+                <a:solidFill>
+                  <a:srgbClr val="282828"/>
+                </a:solidFill>
+              </a:defRPr>
+            </a:pPr>
+            <a:r>
+              <a:t>**Free / Local** — basic features, CSV storage.</a:t>
+            </a:r>
+          </a:p>
+          <a:p>
+            <a:pPr>
+              <a:defRPr sz="1200">
+                <a:solidFill>
+                  <a:srgbClr val="282828"/>
+                </a:solidFill>
+              </a:defRPr>
+            </a:pPr>
+            <a:r>
+              <a:t>**Pro** — database backend, multi-user access, calendar sync, SMS notifications.</a:t>
+            </a:r>
+          </a:p>
+          <a:p>
+            <a:pPr>
+              <a:defRPr sz="1200">
+                <a:solidFill>
+                  <a:srgbClr val="282828"/>
+                </a:solidFill>
+              </a:defRPr>
+            </a:pPr>
+            <a:r>
+              <a:t>**Enterprise** — API, accounting integration, SLA.</a:t>
+            </a:r>
+          </a:p>
+        </p:txBody>
+      </p:sp>
+      <p:sp>
+        <p:nvSpPr>
+          <p:cNvPr id="4" name="TextBox 3"/>
+          <p:cNvSpPr txBox="1"/>
+          <p:nvPr/>
+        </p:nvSpPr>
+        <p:spPr>
+          <a:xfrm>
+            <a:off x="548640" y="5120640"/>
+            <a:ext cx="8046720" cy="274320"/>
+          </a:xfrm>
+          <a:prstGeom prst="rect">
+            <a:avLst/>
+          </a:prstGeom>
+          <a:noFill/>
+        </p:spPr>
+        <p:txBody>
+          <a:bodyPr wrap="none">
+            <a:spAutoFit/>
+          </a:bodyPr>
+          <a:lstStyle/>
+          <a:p>
+            <a:pPr>
+              <a:defRPr sz="1000" i="1"/>
+            </a:pPr>
+            <a:r>
+              <a:t>Car Service Booking — 2026-01-14</a:t>
             </a:r>
           </a:p>
         </p:txBody>

--- a/Task 5/APP_Presentation.pptx
+++ b/Task 5/APP_Presentation.pptx
@@ -3535,7 +3535,7 @@
               </a:defRPr>
             </a:pPr>
             <a:r>
-              <a:t>6. Conclusion 🏁</a:t>
+              <a:t>9. Conclusion 🏁</a:t>
             </a:r>
           </a:p>
         </p:txBody>
@@ -3579,7 +3579,7 @@
               </a:defRPr>
             </a:pPr>
             <a:r>
-              <a:t>Підсумок: Додаток закриває конкретну болючу точку для малого автосервісу — просте, швидке та дешеве бронювання з базовими інструментами керування.</a:t>
+              <a:t>**Summary:** The application addresses a specific pain point for small repair shops — simple, fast, and low-cost booking with basic management tools.</a:t>
             </a:r>
           </a:p>
           <a:p>
@@ -3591,7 +3591,7 @@
               </a:defRPr>
             </a:pPr>
             <a:r>
-              <a:t>Наступні кроки: провести пілот у 2–3 сервісах, зібрати відгуки, додати DB та можливість синхронізації календаря як пріоритетні фічі.</a:t>
+              <a:t>**Next steps:** Run pilots in 2–3 shops, gather feedback, and prioritize adding a database backend and calendar synchronization.</a:t>
             </a:r>
           </a:p>
           <a:p>
@@ -4471,16 +4471,16 @@
           <a:lstStyle/>
           <a:p>
             <a:pPr>
-              <a:defRPr sz="1200">
-                <a:solidFill>
-                  <a:srgbClr val="282828"/>
-                </a:solidFill>
-              </a:defRPr>
-            </a:pPr>
-          </a:p>
-          <a:p>
-            <a:pPr>
-              <a:defRPr sz="1200">
+              <a:defRPr sz="1100">
+                <a:solidFill>
+                  <a:srgbClr val="282828"/>
+                </a:solidFill>
+              </a:defRPr>
+            </a:pPr>
+          </a:p>
+          <a:p>
+            <a:pPr>
+              <a:defRPr sz="1100">
                 <a:solidFill>
                   <a:srgbClr val="282828"/>
                 </a:solidFill>
@@ -4492,43 +4492,55 @@
           </a:p>
           <a:p>
             <a:pPr>
-              <a:defRPr sz="1200">
-                <a:solidFill>
-                  <a:srgbClr val="282828"/>
-                </a:solidFill>
-              </a:defRPr>
-            </a:pPr>
-            <a:r>
-              <a:t>Booking flow: fill form and submit — see `assets/booking.png`.</a:t>
-            </a:r>
-          </a:p>
-          <a:p>
-            <a:pPr>
-              <a:defRPr sz="1200">
-                <a:solidFill>
-                  <a:srgbClr val="282828"/>
-                </a:solidFill>
-              </a:defRPr>
-            </a:pPr>
-            <a:r>
-              <a:t>Editing a booking — see `assets/edit.png`.</a:t>
-            </a:r>
-          </a:p>
-          <a:p>
-            <a:pPr>
-              <a:defRPr sz="1200">
-                <a:solidFill>
-                  <a:srgbClr val="282828"/>
-                </a:solidFill>
-              </a:defRPr>
-            </a:pPr>
-            <a:r>
-              <a:t>Deleting a booking (confirmation) — see `assets/delete.png`.</a:t>
-            </a:r>
-          </a:p>
-          <a:p>
-            <a:pPr>
-              <a:defRPr b="1" sz="1200">
+              <a:defRPr sz="1100">
+                <a:solidFill>
+                  <a:srgbClr val="282828"/>
+                </a:solidFill>
+              </a:defRPr>
+            </a:pPr>
+            <a:r>
+              <a:t>Booking flow: fill form and submit — see `assets/booking_real.png`.</a:t>
+            </a:r>
+          </a:p>
+          <a:p>
+            <a:pPr>
+              <a:defRPr sz="1100">
+                <a:solidFill>
+                  <a:srgbClr val="282828"/>
+                </a:solidFill>
+              </a:defRPr>
+            </a:pPr>
+            <a:r>
+              <a:t>Booking list view (shows saved appointments) — see `assets/list_real.png`.</a:t>
+            </a:r>
+          </a:p>
+          <a:p>
+            <a:pPr>
+              <a:defRPr sz="1100">
+                <a:solidFill>
+                  <a:srgbClr val="282828"/>
+                </a:solidFill>
+              </a:defRPr>
+            </a:pPr>
+            <a:r>
+              <a:t>Editing a booking — see `assets/edit.png` (mock) or `assets/edit_real.png` (attempted real capture).</a:t>
+            </a:r>
+          </a:p>
+          <a:p>
+            <a:pPr>
+              <a:defRPr sz="1100">
+                <a:solidFill>
+                  <a:srgbClr val="282828"/>
+                </a:solidFill>
+              </a:defRPr>
+            </a:pPr>
+            <a:r>
+              <a:t>Deleting a booking (confirmation) — see `assets/delete.png` (mock).</a:t>
+            </a:r>
+          </a:p>
+          <a:p>
+            <a:pPr>
+              <a:defRPr b="1" sz="1100">
                 <a:solidFill>
                   <a:srgbClr val="282828"/>
                 </a:solidFill>
@@ -4540,7 +4552,7 @@
           </a:p>
           <a:p>
             <a:pPr>
-              <a:defRPr sz="1200">
+              <a:defRPr sz="1100">
                 <a:solidFill>
                   <a:srgbClr val="282828"/>
                 </a:solidFill>
@@ -4552,7 +4564,7 @@
           </a:p>
           <a:p>
             <a:pPr>
-              <a:defRPr sz="1200">
+              <a:defRPr sz="1100">
                 <a:solidFill>
                   <a:srgbClr val="282828"/>
                 </a:solidFill>
@@ -4564,9 +4576,129 @@
           </a:p>
         </p:txBody>
       </p:sp>
-      <p:sp>
-        <p:nvSpPr>
-          <p:cNvPr id="4" name="TextBox 3"/>
+      <p:pic>
+        <p:nvPicPr>
+          <p:cNvPr id="4" name="Picture 3" descr="code.png"/>
+          <p:cNvPicPr>
+            <a:picLocks noChangeAspect="1"/>
+          </p:cNvPicPr>
+          <p:nvPr/>
+        </p:nvPicPr>
+        <p:blipFill>
+          <a:blip r:embed="rId2"/>
+          <a:stretch>
+            <a:fillRect/>
+          </a:stretch>
+        </p:blipFill>
+        <p:spPr>
+          <a:xfrm>
+            <a:off x="6400800" y="1188720"/>
+            <a:ext cx="2560320" cy="6631361"/>
+          </a:xfrm>
+          <a:prstGeom prst="rect">
+            <a:avLst/>
+          </a:prstGeom>
+        </p:spPr>
+      </p:pic>
+      <p:pic>
+        <p:nvPicPr>
+          <p:cNvPr id="5" name="Picture 4" descr="booking_real.png"/>
+          <p:cNvPicPr>
+            <a:picLocks noChangeAspect="1"/>
+          </p:cNvPicPr>
+          <p:nvPr/>
+        </p:nvPicPr>
+        <p:blipFill>
+          <a:blip r:embed="rId3"/>
+          <a:stretch>
+            <a:fillRect/>
+          </a:stretch>
+        </p:blipFill>
+        <p:spPr>
+          <a:xfrm>
+            <a:off x="6400800" y="1188720"/>
+            <a:ext cx="2560320" cy="1920240"/>
+          </a:xfrm>
+          <a:prstGeom prst="rect">
+            <a:avLst/>
+          </a:prstGeom>
+        </p:spPr>
+      </p:pic>
+      <p:pic>
+        <p:nvPicPr>
+          <p:cNvPr id="6" name="Picture 5" descr="list_real.png"/>
+          <p:cNvPicPr>
+            <a:picLocks noChangeAspect="1"/>
+          </p:cNvPicPr>
+          <p:nvPr/>
+        </p:nvPicPr>
+        <p:blipFill>
+          <a:blip r:embed="rId4"/>
+          <a:stretch>
+            <a:fillRect/>
+          </a:stretch>
+        </p:blipFill>
+        <p:spPr>
+          <a:xfrm>
+            <a:off x="6400800" y="1188720"/>
+            <a:ext cx="2560320" cy="1920240"/>
+          </a:xfrm>
+          <a:prstGeom prst="rect">
+            <a:avLst/>
+          </a:prstGeom>
+        </p:spPr>
+      </p:pic>
+      <p:pic>
+        <p:nvPicPr>
+          <p:cNvPr id="7" name="Picture 6" descr="edit.png"/>
+          <p:cNvPicPr>
+            <a:picLocks noChangeAspect="1"/>
+          </p:cNvPicPr>
+          <p:nvPr/>
+        </p:nvPicPr>
+        <p:blipFill>
+          <a:blip r:embed="rId5"/>
+          <a:stretch>
+            <a:fillRect/>
+          </a:stretch>
+        </p:blipFill>
+        <p:spPr>
+          <a:xfrm>
+            <a:off x="6400800" y="1188720"/>
+            <a:ext cx="2560320" cy="1706880"/>
+          </a:xfrm>
+          <a:prstGeom prst="rect">
+            <a:avLst/>
+          </a:prstGeom>
+        </p:spPr>
+      </p:pic>
+      <p:pic>
+        <p:nvPicPr>
+          <p:cNvPr id="8" name="Picture 7" descr="delete.png"/>
+          <p:cNvPicPr>
+            <a:picLocks noChangeAspect="1"/>
+          </p:cNvPicPr>
+          <p:nvPr/>
+        </p:nvPicPr>
+        <p:blipFill>
+          <a:blip r:embed="rId6"/>
+          <a:stretch>
+            <a:fillRect/>
+          </a:stretch>
+        </p:blipFill>
+        <p:spPr>
+          <a:xfrm>
+            <a:off x="6400800" y="1188720"/>
+            <a:ext cx="2560320" cy="1706880"/>
+          </a:xfrm>
+          <a:prstGeom prst="rect">
+            <a:avLst/>
+          </a:prstGeom>
+        </p:spPr>
+      </p:pic>
+      <p:sp>
+        <p:nvSpPr>
+          <p:cNvPr id="9" name="TextBox 8"/>
           <p:cNvSpPr txBox="1"/>
           <p:nvPr/>
         </p:nvSpPr>
